--- a/Doc/Boss子弹轨迹计算.pptx
+++ b/Doc/Boss子弹轨迹计算.pptx
@@ -289,7 +289,7 @@
             <a:fld id="{530820CF-B880-4189-942D-D702A7CBA730}" type="datetimeFigureOut">
               <a:rPr lang="zh-CN" altLang="en-US" smtClean="0"/>
               <a:pPr/>
-              <a:t>2019/7/31</a:t>
+              <a:t>2019/8/1</a:t>
             </a:fld>
             <a:endParaRPr lang="zh-CN" altLang="en-US"/>
           </a:p>
@@ -456,7 +456,7 @@
             <a:fld id="{530820CF-B880-4189-942D-D702A7CBA730}" type="datetimeFigureOut">
               <a:rPr lang="zh-CN" altLang="en-US" smtClean="0"/>
               <a:pPr/>
-              <a:t>2019/7/31</a:t>
+              <a:t>2019/8/1</a:t>
             </a:fld>
             <a:endParaRPr lang="zh-CN" altLang="en-US"/>
           </a:p>
@@ -633,7 +633,7 @@
             <a:fld id="{530820CF-B880-4189-942D-D702A7CBA730}" type="datetimeFigureOut">
               <a:rPr lang="zh-CN" altLang="en-US" smtClean="0"/>
               <a:pPr/>
-              <a:t>2019/7/31</a:t>
+              <a:t>2019/8/1</a:t>
             </a:fld>
             <a:endParaRPr lang="zh-CN" altLang="en-US"/>
           </a:p>
@@ -800,7 +800,7 @@
             <a:fld id="{530820CF-B880-4189-942D-D702A7CBA730}" type="datetimeFigureOut">
               <a:rPr lang="zh-CN" altLang="en-US" smtClean="0"/>
               <a:pPr/>
-              <a:t>2019/7/31</a:t>
+              <a:t>2019/8/1</a:t>
             </a:fld>
             <a:endParaRPr lang="zh-CN" altLang="en-US"/>
           </a:p>
@@ -1043,7 +1043,7 @@
             <a:fld id="{530820CF-B880-4189-942D-D702A7CBA730}" type="datetimeFigureOut">
               <a:rPr lang="zh-CN" altLang="en-US" smtClean="0"/>
               <a:pPr/>
-              <a:t>2019/7/31</a:t>
+              <a:t>2019/8/1</a:t>
             </a:fld>
             <a:endParaRPr lang="zh-CN" altLang="en-US"/>
           </a:p>
@@ -1328,7 +1328,7 @@
             <a:fld id="{530820CF-B880-4189-942D-D702A7CBA730}" type="datetimeFigureOut">
               <a:rPr lang="zh-CN" altLang="en-US" smtClean="0"/>
               <a:pPr/>
-              <a:t>2019/7/31</a:t>
+              <a:t>2019/8/1</a:t>
             </a:fld>
             <a:endParaRPr lang="zh-CN" altLang="en-US"/>
           </a:p>
@@ -1747,7 +1747,7 @@
             <a:fld id="{530820CF-B880-4189-942D-D702A7CBA730}" type="datetimeFigureOut">
               <a:rPr lang="zh-CN" altLang="en-US" smtClean="0"/>
               <a:pPr/>
-              <a:t>2019/7/31</a:t>
+              <a:t>2019/8/1</a:t>
             </a:fld>
             <a:endParaRPr lang="zh-CN" altLang="en-US"/>
           </a:p>
@@ -1862,7 +1862,7 @@
             <a:fld id="{530820CF-B880-4189-942D-D702A7CBA730}" type="datetimeFigureOut">
               <a:rPr lang="zh-CN" altLang="en-US" smtClean="0"/>
               <a:pPr/>
-              <a:t>2019/7/31</a:t>
+              <a:t>2019/8/1</a:t>
             </a:fld>
             <a:endParaRPr lang="zh-CN" altLang="en-US"/>
           </a:p>
@@ -1954,7 +1954,7 @@
             <a:fld id="{530820CF-B880-4189-942D-D702A7CBA730}" type="datetimeFigureOut">
               <a:rPr lang="zh-CN" altLang="en-US" smtClean="0"/>
               <a:pPr/>
-              <a:t>2019/7/31</a:t>
+              <a:t>2019/8/1</a:t>
             </a:fld>
             <a:endParaRPr lang="zh-CN" altLang="en-US"/>
           </a:p>
@@ -2228,7 +2228,7 @@
             <a:fld id="{530820CF-B880-4189-942D-D702A7CBA730}" type="datetimeFigureOut">
               <a:rPr lang="zh-CN" altLang="en-US" smtClean="0"/>
               <a:pPr/>
-              <a:t>2019/7/31</a:t>
+              <a:t>2019/8/1</a:t>
             </a:fld>
             <a:endParaRPr lang="zh-CN" altLang="en-US"/>
           </a:p>
@@ -2478,7 +2478,7 @@
             <a:fld id="{530820CF-B880-4189-942D-D702A7CBA730}" type="datetimeFigureOut">
               <a:rPr lang="zh-CN" altLang="en-US" smtClean="0"/>
               <a:pPr/>
-              <a:t>2019/7/31</a:t>
+              <a:t>2019/8/1</a:t>
             </a:fld>
             <a:endParaRPr lang="zh-CN" altLang="en-US"/>
           </a:p>
@@ -2688,7 +2688,7 @@
             <a:fld id="{530820CF-B880-4189-942D-D702A7CBA730}" type="datetimeFigureOut">
               <a:rPr lang="zh-CN" altLang="en-US" smtClean="0"/>
               <a:pPr/>
-              <a:t>2019/7/31</a:t>
+              <a:t>2019/8/1</a:t>
             </a:fld>
             <a:endParaRPr lang="zh-CN" altLang="en-US"/>
           </a:p>
@@ -3606,7 +3606,7 @@
         <p:spPr>
           <a:xfrm>
             <a:off x="5143504" y="3571876"/>
-            <a:ext cx="2943434" cy="369332"/>
+            <a:ext cx="2940228" cy="369332"/>
           </a:xfrm>
           <a:prstGeom prst="rect">
             <a:avLst/>
@@ -3621,7 +3621,15 @@
           <a:p>
             <a:r>
               <a:rPr lang="en-US" altLang="zh-CN" dirty="0" smtClean="0"/>
-              <a:t>Time=(P3.x-p1.x)/Duck.speed</a:t>
+              <a:t>Time=(</a:t>
+            </a:r>
+            <a:r>
+              <a:rPr lang="en-US" altLang="zh-CN" dirty="0" smtClean="0"/>
+              <a:t>P3.x-P1.x</a:t>
+            </a:r>
+            <a:r>
+              <a:rPr lang="en-US" altLang="zh-CN" dirty="0" smtClean="0"/>
+              <a:t>)/Duck.speed</a:t>
             </a:r>
             <a:endParaRPr lang="zh-CN" altLang="en-US" dirty="0"/>
           </a:p>
